--- a/docs/virgo.pptx
+++ b/docs/virgo.pptx
@@ -10,8 +10,8 @@
   <p:sldIdLst>
     <p:sldId id="258" r:id="rId2"/>
     <p:sldId id="257" r:id="rId3"/>
-    <p:sldId id="259" r:id="rId4"/>
-    <p:sldId id="260" r:id="rId5"/>
+    <p:sldId id="260" r:id="rId4"/>
+    <p:sldId id="259" r:id="rId5"/>
     <p:sldId id="261" r:id="rId6"/>
   </p:sldIdLst>
   <p:sldSz cx="12192000" cy="6858000"/>
@@ -536,7 +536,7 @@
         </p:nvSpPr>
         <p:spPr>
           <a:xfrm>
-            <a:off x="0" y="0"/>
+            <a:off x="0" y="1"/>
             <a:ext cx="2971800" cy="458788"/>
           </a:xfrm>
           <a:prstGeom prst="rect">
@@ -567,7 +567,7 @@
         </p:nvSpPr>
         <p:spPr>
           <a:xfrm>
-            <a:off x="3884613" y="0"/>
+            <a:off x="3884613" y="1"/>
             <a:ext cx="2971800" cy="458788"/>
           </a:xfrm>
           <a:prstGeom prst="rect">
@@ -584,7 +584,7 @@
           <a:p>
             <a:fld id="{FAA3ED71-FD03-B947-81A6-FEAC641ABFB2}" type="datetimeFigureOut">
               <a:rPr lang="en-US" smtClean="0"/>
-              <a:t>7/3/25</a:t>
+              <a:t>7/19/25</a:t>
             </a:fld>
             <a:endParaRPr lang="en-US"/>
           </a:p>
@@ -635,8 +635,8 @@
         </p:nvSpPr>
         <p:spPr>
           <a:xfrm>
-            <a:off x="685800" y="4400550"/>
-            <a:ext cx="5486400" cy="3600450"/>
+            <a:off x="685800" y="4400549"/>
+            <a:ext cx="5486400" cy="3600451"/>
           </a:xfrm>
           <a:prstGeom prst="rect">
             <a:avLst/>
@@ -898,7 +898,7 @@
           <a:p>
             <a:r>
               <a:rPr lang="en-US" dirty="0"/>
-              <a:t>I’ve created Virgo, a fast, private, roughly accurate, user location library for quickly guesstimating where a browser client is in the world.</a:t>
+              <a:t>Virgo is a fast, private, roughly accurate, user location library for quickly guesstimating where a browser client is in the world.</a:t>
             </a:r>
           </a:p>
           <a:p>
@@ -907,7 +907,16 @@
           <a:p>
             <a:r>
               <a:rPr lang="en-US" dirty="0"/>
-              <a:t>I’m a Principal DevOps engineer here at Versent, and some of you might know I make games in my spare time. Recently I’ve recently scaled out my backend services globally, and the primary driver behind developing this was to seamlessly connect players to the closest server for the best gaming experience.</a:t>
+              <a:t>I make games, and recently I’ve recently scaled out my backend services globally. </a:t>
+            </a:r>
+          </a:p>
+          <a:p>
+            <a:endParaRPr lang="en-US" dirty="0"/>
+          </a:p>
+          <a:p>
+            <a:r>
+              <a:rPr lang="en-US" dirty="0"/>
+              <a:t>The primary motivation for developing this was to seamlessly connect players to the closest server to improve their gameplay experience.</a:t>
             </a:r>
           </a:p>
         </p:txBody>
@@ -994,34 +1003,46 @@
           <a:p>
             <a:r>
               <a:rPr lang="en-US" dirty="0"/>
-              <a:t>There’s a few common ways that websites can get your location:</a:t>
+              <a:t>There are few common methods that websites get your location:</a:t>
             </a:r>
           </a:p>
           <a:p>
             <a:endParaRPr lang="en-US" dirty="0"/>
           </a:p>
           <a:p>
+            <a:pPr marL="228600" indent="-228600">
+              <a:buAutoNum type="arabicPeriod"/>
+            </a:pPr>
             <a:r>
               <a:rPr lang="en-US" dirty="0"/>
-              <a:t>1. Asking you to type it in / look it up – lots of keystrokes and clicks but it’s guaranteed to align with the user’s expectations</a:t>
-            </a:r>
-          </a:p>
-          <a:p>
+              <a:t>Asking you exactly. It takes a lot of keystrokes and clicks, but it’s guaranteed to align with the user’s expectations</a:t>
+            </a:r>
+          </a:p>
+          <a:p>
+            <a:pPr marL="228600" indent="-228600">
+              <a:buAutoNum type="arabicPeriod"/>
+            </a:pPr>
             <a:r>
               <a:rPr lang="en-US" dirty="0"/>
-              <a:t>2. Letting you pick from a list – faster, but less accurate, countries can be large, and scrolling through a long list can be annoying</a:t>
-            </a:r>
-          </a:p>
-          <a:p>
+              <a:t>Letting you pick. Using a dropdown list is faster, but less accurate. Countries can be large, and scrolling through a long list can be annoying</a:t>
+            </a:r>
+          </a:p>
+          <a:p>
+            <a:pPr marL="228600" indent="-228600">
+              <a:buAutoNum type="arabicPeriod"/>
+            </a:pPr>
             <a:r>
               <a:rPr lang="en-US" dirty="0"/>
-              <a:t>3. Asking for your GPS location – super precise, but requires user, browser, and OS consent to send your coordinates</a:t>
-            </a:r>
-          </a:p>
-          <a:p>
+              <a:t>Using GPS. This is super precise, but requires the user, browser, and OS consent to send your exact coordinates.</a:t>
+            </a:r>
+          </a:p>
+          <a:p>
+            <a:pPr marL="228600" indent="-228600">
+              <a:buAutoNum type="arabicPeriod"/>
+            </a:pPr>
             <a:r>
               <a:rPr lang="en-US" dirty="0"/>
-              <a:t>4. Trying to figure it out autonomously (IP tracking or DNS geolocation routing) – seamless, but also the user has less control</a:t>
+              <a:t>Autonomous IP or DNS Geolocation. Seamless, yet not perfect, and the user has hardly any control.</a:t>
             </a:r>
           </a:p>
         </p:txBody>
@@ -1108,7 +1129,7 @@
           <a:p>
             <a:r>
               <a:rPr lang="en-US" dirty="0"/>
-              <a:t>Why does any of this matter?</a:t>
+              <a:t>Virgo works by looking up the user’s device time zone and returning that zone’s precomputed centroid.</a:t>
             </a:r>
           </a:p>
           <a:p>
@@ -1117,7 +1138,7 @@
           <a:p>
             <a:r>
               <a:rPr lang="en-US" dirty="0"/>
-              <a:t>It takes only about 50 milliseconds for a user to form their first impression of a website, and within 3 seconds they know whether to abandon or continue.</a:t>
+              <a:t>This happens entirely synchronously on the client device without the need for any network calls, so the result is immediately available.</a:t>
             </a:r>
           </a:p>
           <a:p>
@@ -1126,7 +1147,7 @@
           <a:p>
             <a:r>
               <a:rPr lang="en-US" dirty="0"/>
-              <a:t>In my use case, I want players to be able to connect to the right server, (optionally set a player name), and join a game.</a:t>
+              <a:t>It’s a solid enough assumption that people have their time zones set correctly; and can this be more accurate than DNS or IP geolocation services which sometimes return the city of your ISP (often in another city or country).</a:t>
             </a:r>
           </a:p>
           <a:p>
@@ -1135,26 +1156,8 @@
           <a:p>
             <a:r>
               <a:rPr lang="en-US" dirty="0"/>
-              <a:t>50ms is generally not fast enough to ping an IP geolocation service before deciding which server to connect to, switching servers takes time, and connecting to all servers is wasteful and does not scale.</a:t>
-            </a:r>
-          </a:p>
-          <a:p>
-            <a:endParaRPr lang="en-US" dirty="0"/>
-          </a:p>
-          <a:p>
-            <a:r>
-              <a:rPr lang="en-US" dirty="0"/>
-              <a:t>So, connecting to the right server during the initial page render really counts.</a:t>
-            </a:r>
-          </a:p>
-          <a:p>
-            <a:endParaRPr lang="en-US" dirty="0"/>
-          </a:p>
-          <a:p>
-            <a:endParaRPr lang="en-US" dirty="0"/>
-          </a:p>
-          <a:p>
-            <a:endParaRPr lang="en-US" dirty="0"/>
+              <a:t>There are also helpers for calculating distances – and an extension of Virgo for finding the nearest AWS Region: Virgo2AWS.</a:t>
+            </a:r>
           </a:p>
         </p:txBody>
       </p:sp>
@@ -1184,7 +1187,7 @@
     </p:spTree>
     <p:extLst>
       <p:ext uri="{BB962C8B-B14F-4D97-AF65-F5344CB8AC3E}">
-        <p14:creationId xmlns:p14="http://schemas.microsoft.com/office/powerpoint/2010/main" val="618956725"/>
+        <p14:creationId xmlns:p14="http://schemas.microsoft.com/office/powerpoint/2010/main" val="2098000496"/>
       </p:ext>
     </p:extLst>
   </p:cSld>
@@ -1240,7 +1243,7 @@
           <a:p>
             <a:r>
               <a:rPr lang="en-US" dirty="0"/>
-              <a:t>Virgo works by looking up the user’s device time zone and returning that zone’s precomputed centroid.</a:t>
+              <a:t>Why does any of this matter?</a:t>
             </a:r>
           </a:p>
           <a:p>
@@ -1249,7 +1252,7 @@
           <a:p>
             <a:r>
               <a:rPr lang="en-US" dirty="0"/>
-              <a:t>This happens entirely synchronously on the client device without the need for any network calls, so the result is immediately available.</a:t>
+              <a:t>It takes only about 50 milliseconds for a user to form their first impression of a website, and within 3 seconds they know whether to abandon or continue.</a:t>
             </a:r>
           </a:p>
           <a:p>
@@ -1258,7 +1261,7 @@
           <a:p>
             <a:r>
               <a:rPr lang="en-US" dirty="0"/>
-              <a:t>It’s a solid enough assumption that people have their time zones set correctly; and can be more accurate than DNS or IP geolocation services which sometimes return the city of your ISP (in another state or country).</a:t>
+              <a:t>In my use case, I want players to be able to connect to the right server, (optionally set a player name), and join a game.</a:t>
             </a:r>
           </a:p>
           <a:p>
@@ -1267,18 +1270,26 @@
           <a:p>
             <a:r>
               <a:rPr lang="en-US" dirty="0"/>
-              <a:t>There’s also helpers for calculating distances – and an extension of Virgo for finding the nearest AWS Region: Virgo2AWS.</a:t>
-            </a:r>
-            <a:br>
+              <a:t>50ms is generally not fast enough to ping an IP geolocation service before deciding which server to connect to, switching servers takes time, and connecting to all servers is wasteful and does not scale.</a:t>
+            </a:r>
+          </a:p>
+          <a:p>
+            <a:endParaRPr lang="en-US" dirty="0"/>
+          </a:p>
+          <a:p>
+            <a:r>
               <a:rPr lang="en-US" dirty="0"/>
-            </a:br>
+              <a:t>Connecting to the right server during the initial page render really counts!</a:t>
+            </a:r>
+          </a:p>
+          <a:p>
             <a:endParaRPr lang="en-US" dirty="0"/>
           </a:p>
           <a:p>
-            <a:r>
-              <a:rPr lang="en-US" dirty="0"/>
-              <a:t>DEMO</a:t>
-            </a:r>
+            <a:endParaRPr lang="en-US" dirty="0"/>
+          </a:p>
+          <a:p>
+            <a:endParaRPr lang="en-US" dirty="0"/>
           </a:p>
         </p:txBody>
       </p:sp>
@@ -1308,7 +1319,7 @@
     </p:spTree>
     <p:extLst>
       <p:ext uri="{BB962C8B-B14F-4D97-AF65-F5344CB8AC3E}">
-        <p14:creationId xmlns:p14="http://schemas.microsoft.com/office/powerpoint/2010/main" val="2098000496"/>
+        <p14:creationId xmlns:p14="http://schemas.microsoft.com/office/powerpoint/2010/main" val="618956725"/>
       </p:ext>
     </p:extLst>
   </p:cSld>
@@ -1363,12 +1374,8 @@
           <a:lstStyle/>
           <a:p>
             <a:r>
-              <a:rPr lang="en-US"/>
-              <a:t>I built </a:t>
-            </a:r>
-            <a:r>
               <a:rPr lang="en-US" dirty="0"/>
-              <a:t>this library because I couldn’t find something that did this already. There’s plenty of libraries that do the opposite of what Virgo does (i.e. Location to </a:t>
+              <a:t>I built this library because I couldn’t find something that did this already. There are plenty of libraries that do the opposite of what Virgo does (i.e. Location to </a:t>
             </a:r>
             <a:r>
               <a:rPr lang="en-US" dirty="0" err="1"/>
@@ -1385,7 +1392,7 @@
           <a:p>
             <a:r>
               <a:rPr lang="en-US" dirty="0"/>
-              <a:t>I find it useful, and it’s a nice bonus if this solves a problem that someone else faces in the future too.</a:t>
+              <a:t>I found it useful, and it’s a nice bonus if this solves a problem that someone else faces in the future too.</a:t>
             </a:r>
           </a:p>
           <a:p>
@@ -1394,7 +1401,7 @@
           <a:p>
             <a:r>
               <a:rPr lang="en-US" dirty="0"/>
-              <a:t>If you’ve enjoyed my talk, please like and star my project on GitHub and check out my games.</a:t>
+              <a:t>If you’ve enjoyed my presentation, please like and star my project on GitHub and check out my games.</a:t>
             </a:r>
           </a:p>
         </p:txBody>
@@ -1584,7 +1591,7 @@
           <a:p>
             <a:fld id="{041B58F4-86A1-CC44-8C3B-D5A5B5B5E3C0}" type="datetimeFigureOut">
               <a:rPr lang="en-US" smtClean="0"/>
-              <a:t>7/3/25</a:t>
+              <a:t>7/19/25</a:t>
             </a:fld>
             <a:endParaRPr lang="en-US"/>
           </a:p>
@@ -1784,7 +1791,7 @@
           <a:p>
             <a:fld id="{041B58F4-86A1-CC44-8C3B-D5A5B5B5E3C0}" type="datetimeFigureOut">
               <a:rPr lang="en-US" smtClean="0"/>
-              <a:t>7/3/25</a:t>
+              <a:t>7/19/25</a:t>
             </a:fld>
             <a:endParaRPr lang="en-US"/>
           </a:p>
@@ -1994,7 +2001,7 @@
           <a:p>
             <a:fld id="{041B58F4-86A1-CC44-8C3B-D5A5B5B5E3C0}" type="datetimeFigureOut">
               <a:rPr lang="en-US" smtClean="0"/>
-              <a:t>7/3/25</a:t>
+              <a:t>7/19/25</a:t>
             </a:fld>
             <a:endParaRPr lang="en-US"/>
           </a:p>
@@ -2194,7 +2201,7 @@
           <a:p>
             <a:fld id="{041B58F4-86A1-CC44-8C3B-D5A5B5B5E3C0}" type="datetimeFigureOut">
               <a:rPr lang="en-US" smtClean="0"/>
-              <a:t>7/3/25</a:t>
+              <a:t>7/19/25</a:t>
             </a:fld>
             <a:endParaRPr lang="en-US"/>
           </a:p>
@@ -2470,7 +2477,7 @@
           <a:p>
             <a:fld id="{041B58F4-86A1-CC44-8C3B-D5A5B5B5E3C0}" type="datetimeFigureOut">
               <a:rPr lang="en-US" smtClean="0"/>
-              <a:t>7/3/25</a:t>
+              <a:t>7/19/25</a:t>
             </a:fld>
             <a:endParaRPr lang="en-US"/>
           </a:p>
@@ -2738,7 +2745,7 @@
           <a:p>
             <a:fld id="{041B58F4-86A1-CC44-8C3B-D5A5B5B5E3C0}" type="datetimeFigureOut">
               <a:rPr lang="en-US" smtClean="0"/>
-              <a:t>7/3/25</a:t>
+              <a:t>7/19/25</a:t>
             </a:fld>
             <a:endParaRPr lang="en-US"/>
           </a:p>
@@ -3153,7 +3160,7 @@
           <a:p>
             <a:fld id="{041B58F4-86A1-CC44-8C3B-D5A5B5B5E3C0}" type="datetimeFigureOut">
               <a:rPr lang="en-US" smtClean="0"/>
-              <a:t>7/3/25</a:t>
+              <a:t>7/19/25</a:t>
             </a:fld>
             <a:endParaRPr lang="en-US"/>
           </a:p>
@@ -3295,7 +3302,7 @@
           <a:p>
             <a:fld id="{041B58F4-86A1-CC44-8C3B-D5A5B5B5E3C0}" type="datetimeFigureOut">
               <a:rPr lang="en-US" smtClean="0"/>
-              <a:t>7/3/25</a:t>
+              <a:t>7/19/25</a:t>
             </a:fld>
             <a:endParaRPr lang="en-US"/>
           </a:p>
@@ -3408,7 +3415,7 @@
           <a:p>
             <a:fld id="{041B58F4-86A1-CC44-8C3B-D5A5B5B5E3C0}" type="datetimeFigureOut">
               <a:rPr lang="en-US" smtClean="0"/>
-              <a:t>7/3/25</a:t>
+              <a:t>7/19/25</a:t>
             </a:fld>
             <a:endParaRPr lang="en-US"/>
           </a:p>
@@ -3721,7 +3728,7 @@
           <a:p>
             <a:fld id="{041B58F4-86A1-CC44-8C3B-D5A5B5B5E3C0}" type="datetimeFigureOut">
               <a:rPr lang="en-US" smtClean="0"/>
-              <a:t>7/3/25</a:t>
+              <a:t>7/19/25</a:t>
             </a:fld>
             <a:endParaRPr lang="en-US"/>
           </a:p>
@@ -4010,7 +4017,7 @@
           <a:p>
             <a:fld id="{041B58F4-86A1-CC44-8C3B-D5A5B5B5E3C0}" type="datetimeFigureOut">
               <a:rPr lang="en-US" smtClean="0"/>
-              <a:t>7/3/25</a:t>
+              <a:t>7/19/25</a:t>
             </a:fld>
             <a:endParaRPr lang="en-US"/>
           </a:p>
@@ -4258,7 +4265,7 @@
           <a:p>
             <a:fld id="{041B58F4-86A1-CC44-8C3B-D5A5B5B5E3C0}" type="datetimeFigureOut">
               <a:rPr lang="en-US" smtClean="0"/>
-              <a:t>7/3/25</a:t>
+              <a:t>7/19/25</a:t>
             </a:fld>
             <a:endParaRPr lang="en-US"/>
           </a:p>
@@ -5601,12 +5608,59 @@
           <a:chExt cx="0" cy="0"/>
         </a:xfrm>
       </p:grpSpPr>
-      <p:sp>
-        <p:nvSpPr>
-          <p:cNvPr id="2" name="TextBox 1">
-            <a:extLst>
-              <a:ext uri="{FF2B5EF4-FFF2-40B4-BE49-F238E27FC236}">
-                <a16:creationId xmlns:a16="http://schemas.microsoft.com/office/drawing/2014/main" id="{1E0EA140-1F72-9183-7EC7-F590522E4A06}"/>
+      <p:pic>
+        <p:nvPicPr>
+          <p:cNvPr id="2050" name="Picture 2" descr="Map of IANA time zones">
+            <a:extLst>
+              <a:ext uri="{FF2B5EF4-FFF2-40B4-BE49-F238E27FC236}">
+                <a16:creationId xmlns:a16="http://schemas.microsoft.com/office/drawing/2014/main" id="{5C822482-6F5B-FBA7-612C-F6D1EFB1D066}"/>
+              </a:ext>
+            </a:extLst>
+          </p:cNvPr>
+          <p:cNvPicPr>
+            <a:picLocks noChangeAspect="1" noChangeArrowheads="1"/>
+          </p:cNvPicPr>
+          <p:nvPr/>
+        </p:nvPicPr>
+        <p:blipFill>
+          <a:blip r:embed="rId3">
+            <a:extLst>
+              <a:ext uri="{28A0092B-C50C-407E-A947-70E740481C1C}">
+                <a14:useLocalDpi xmlns:a14="http://schemas.microsoft.com/office/drawing/2010/main" val="0"/>
+              </a:ext>
+            </a:extLst>
+          </a:blip>
+          <a:srcRect/>
+          <a:stretch>
+            <a:fillRect/>
+          </a:stretch>
+        </p:blipFill>
+        <p:spPr bwMode="auto">
+          <a:xfrm>
+            <a:off x="0" y="771525"/>
+            <a:ext cx="12192000" cy="5313363"/>
+          </a:xfrm>
+          <a:prstGeom prst="rect">
+            <a:avLst/>
+          </a:prstGeom>
+          <a:noFill/>
+          <a:extLst>
+            <a:ext uri="{909E8E84-426E-40DD-AFC4-6F175D3DCCD1}">
+              <a14:hiddenFill xmlns:a14="http://schemas.microsoft.com/office/drawing/2010/main">
+                <a:solidFill>
+                  <a:srgbClr val="FFFFFF"/>
+                </a:solidFill>
+              </a14:hiddenFill>
+            </a:ext>
+          </a:extLst>
+        </p:spPr>
+      </p:pic>
+      <p:sp>
+        <p:nvSpPr>
+          <p:cNvPr id="7" name="TextBox 6">
+            <a:extLst>
+              <a:ext uri="{FF2B5EF4-FFF2-40B4-BE49-F238E27FC236}">
+                <a16:creationId xmlns:a16="http://schemas.microsoft.com/office/drawing/2014/main" id="{ED10CE5E-0942-AA46-EAD5-E1188E0606C2}"/>
               </a:ext>
             </a:extLst>
           </p:cNvPr>
@@ -5615,8 +5669,8 @@
         </p:nvSpPr>
         <p:spPr>
           <a:xfrm>
-            <a:off x="464000" y="1982450"/>
-            <a:ext cx="5400000" cy="2893100"/>
+            <a:off x="7793813" y="6596390"/>
+            <a:ext cx="4398187" cy="261610"/>
           </a:xfrm>
           <a:prstGeom prst="rect">
             <a:avLst/>
@@ -5624,33 +5678,31 @@
           <a:noFill/>
         </p:spPr>
         <p:txBody>
-          <a:bodyPr wrap="square" anchor="ctr">
+          <a:bodyPr wrap="square">
             <a:spAutoFit/>
           </a:bodyPr>
           <a:lstStyle/>
           <a:p>
-            <a:pPr algn="ctr"/>
-            <a:r>
-              <a:rPr lang="en-US" sz="13800" dirty="0"/>
-              <a:t>0.05s</a:t>
-            </a:r>
-            <a:br>
-              <a:rPr lang="en-US" sz="13800" dirty="0"/>
-            </a:br>
-            <a:r>
-              <a:rPr lang="en-US" sz="4400" dirty="0"/>
-              <a:t>First Impression</a:t>
-            </a:r>
-            <a:endParaRPr lang="en-US" sz="13800" dirty="0"/>
-          </a:p>
-        </p:txBody>
-      </p:sp>
-      <p:sp>
-        <p:nvSpPr>
-          <p:cNvPr id="3" name="TextBox 2">
-            <a:extLst>
-              <a:ext uri="{FF2B5EF4-FFF2-40B4-BE49-F238E27FC236}">
-                <a16:creationId xmlns:a16="http://schemas.microsoft.com/office/drawing/2014/main" id="{60955437-40AC-F21F-D062-53BB414DCF5E}"/>
+            <a:pPr algn="r"/>
+            <a:r>
+              <a:rPr lang="en-US" sz="1050" dirty="0">
+                <a:hlinkClick r:id="rId4"/>
+              </a:rPr>
+              <a:t>https://pganssle-talks.github.io/pycon-us-2019-language-summit-tz/#/3</a:t>
+            </a:r>
+            <a:r>
+              <a:rPr lang="en-US" sz="1050" dirty="0"/>
+              <a:t> </a:t>
+            </a:r>
+          </a:p>
+        </p:txBody>
+      </p:sp>
+      <p:sp>
+        <p:nvSpPr>
+          <p:cNvPr id="8" name="TextBox 7">
+            <a:extLst>
+              <a:ext uri="{FF2B5EF4-FFF2-40B4-BE49-F238E27FC236}">
+                <a16:creationId xmlns:a16="http://schemas.microsoft.com/office/drawing/2014/main" id="{84616C03-8E5B-3E0A-052D-70377D03B8B7}"/>
               </a:ext>
             </a:extLst>
           </p:cNvPr>
@@ -5659,8 +5711,8 @@
         </p:nvSpPr>
         <p:spPr>
           <a:xfrm>
-            <a:off x="6328000" y="1982450"/>
-            <a:ext cx="5400000" cy="2893100"/>
+            <a:off x="120913" y="120912"/>
+            <a:ext cx="3182042" cy="584775"/>
           </a:xfrm>
           <a:prstGeom prst="rect">
             <a:avLst/>
@@ -5668,31 +5720,23 @@
           <a:noFill/>
         </p:spPr>
         <p:txBody>
-          <a:bodyPr wrap="square" anchor="ctr">
+          <a:bodyPr wrap="square">
             <a:spAutoFit/>
           </a:bodyPr>
           <a:lstStyle/>
           <a:p>
             <a:pPr algn="ctr"/>
             <a:r>
-              <a:rPr lang="en-US" sz="13800" dirty="0"/>
-              <a:t>3s</a:t>
-            </a:r>
-            <a:br>
-              <a:rPr lang="en-US" sz="13800" dirty="0"/>
-            </a:br>
-            <a:r>
-              <a:rPr lang="en-US" sz="4400" dirty="0"/>
-              <a:t>Stay or Leave</a:t>
-            </a:r>
-            <a:endParaRPr lang="en-US" sz="13800" dirty="0"/>
+              <a:rPr lang="en-US" sz="3200" dirty="0"/>
+              <a:t>IANA Time Zones</a:t>
+            </a:r>
           </a:p>
         </p:txBody>
       </p:sp>
     </p:spTree>
     <p:extLst>
       <p:ext uri="{BB962C8B-B14F-4D97-AF65-F5344CB8AC3E}">
-        <p14:creationId xmlns:p14="http://schemas.microsoft.com/office/powerpoint/2010/main" val="826439511"/>
+        <p14:creationId xmlns:p14="http://schemas.microsoft.com/office/powerpoint/2010/main" val="42625645"/>
       </p:ext>
     </p:extLst>
   </p:cSld>
@@ -5719,59 +5763,12 @@
           <a:chExt cx="0" cy="0"/>
         </a:xfrm>
       </p:grpSpPr>
-      <p:pic>
-        <p:nvPicPr>
-          <p:cNvPr id="2050" name="Picture 2" descr="Map of IANA time zones">
-            <a:extLst>
-              <a:ext uri="{FF2B5EF4-FFF2-40B4-BE49-F238E27FC236}">
-                <a16:creationId xmlns:a16="http://schemas.microsoft.com/office/drawing/2014/main" id="{5C822482-6F5B-FBA7-612C-F6D1EFB1D066}"/>
-              </a:ext>
-            </a:extLst>
-          </p:cNvPr>
-          <p:cNvPicPr>
-            <a:picLocks noChangeAspect="1" noChangeArrowheads="1"/>
-          </p:cNvPicPr>
-          <p:nvPr/>
-        </p:nvPicPr>
-        <p:blipFill>
-          <a:blip r:embed="rId3">
-            <a:extLst>
-              <a:ext uri="{28A0092B-C50C-407E-A947-70E740481C1C}">
-                <a14:useLocalDpi xmlns:a14="http://schemas.microsoft.com/office/drawing/2010/main" val="0"/>
-              </a:ext>
-            </a:extLst>
-          </a:blip>
-          <a:srcRect/>
-          <a:stretch>
-            <a:fillRect/>
-          </a:stretch>
-        </p:blipFill>
-        <p:spPr bwMode="auto">
-          <a:xfrm>
-            <a:off x="0" y="771525"/>
-            <a:ext cx="12192000" cy="5313363"/>
-          </a:xfrm>
-          <a:prstGeom prst="rect">
-            <a:avLst/>
-          </a:prstGeom>
-          <a:noFill/>
-          <a:extLst>
-            <a:ext uri="{909E8E84-426E-40DD-AFC4-6F175D3DCCD1}">
-              <a14:hiddenFill xmlns:a14="http://schemas.microsoft.com/office/drawing/2010/main">
-                <a:solidFill>
-                  <a:srgbClr val="FFFFFF"/>
-                </a:solidFill>
-              </a14:hiddenFill>
-            </a:ext>
-          </a:extLst>
-        </p:spPr>
-      </p:pic>
-      <p:sp>
-        <p:nvSpPr>
-          <p:cNvPr id="7" name="TextBox 6">
-            <a:extLst>
-              <a:ext uri="{FF2B5EF4-FFF2-40B4-BE49-F238E27FC236}">
-                <a16:creationId xmlns:a16="http://schemas.microsoft.com/office/drawing/2014/main" id="{ED10CE5E-0942-AA46-EAD5-E1188E0606C2}"/>
+      <p:sp>
+        <p:nvSpPr>
+          <p:cNvPr id="2" name="TextBox 1">
+            <a:extLst>
+              <a:ext uri="{FF2B5EF4-FFF2-40B4-BE49-F238E27FC236}">
+                <a16:creationId xmlns:a16="http://schemas.microsoft.com/office/drawing/2014/main" id="{1E0EA140-1F72-9183-7EC7-F590522E4A06}"/>
               </a:ext>
             </a:extLst>
           </p:cNvPr>
@@ -5780,8 +5777,8 @@
         </p:nvSpPr>
         <p:spPr>
           <a:xfrm>
-            <a:off x="7793813" y="6596390"/>
-            <a:ext cx="4398187" cy="261610"/>
+            <a:off x="464000" y="1982450"/>
+            <a:ext cx="5400000" cy="2893100"/>
           </a:xfrm>
           <a:prstGeom prst="rect">
             <a:avLst/>
@@ -5789,31 +5786,33 @@
           <a:noFill/>
         </p:spPr>
         <p:txBody>
-          <a:bodyPr wrap="square">
+          <a:bodyPr wrap="square" anchor="ctr">
             <a:spAutoFit/>
           </a:bodyPr>
           <a:lstStyle/>
           <a:p>
-            <a:pPr algn="r"/>
-            <a:r>
-              <a:rPr lang="en-US" sz="1050" dirty="0">
-                <a:hlinkClick r:id="rId4"/>
-              </a:rPr>
-              <a:t>https://pganssle-talks.github.io/pycon-us-2019-language-summit-tz/#/3</a:t>
-            </a:r>
-            <a:r>
-              <a:rPr lang="en-US" sz="1050" dirty="0"/>
-              <a:t> </a:t>
-            </a:r>
-          </a:p>
-        </p:txBody>
-      </p:sp>
-      <p:sp>
-        <p:nvSpPr>
-          <p:cNvPr id="8" name="TextBox 7">
-            <a:extLst>
-              <a:ext uri="{FF2B5EF4-FFF2-40B4-BE49-F238E27FC236}">
-                <a16:creationId xmlns:a16="http://schemas.microsoft.com/office/drawing/2014/main" id="{84616C03-8E5B-3E0A-052D-70377D03B8B7}"/>
+            <a:pPr algn="ctr"/>
+            <a:r>
+              <a:rPr lang="en-US" sz="13800" dirty="0"/>
+              <a:t>0.05s</a:t>
+            </a:r>
+            <a:br>
+              <a:rPr lang="en-US" sz="13800" dirty="0"/>
+            </a:br>
+            <a:r>
+              <a:rPr lang="en-US" sz="4400" dirty="0"/>
+              <a:t>First Impression</a:t>
+            </a:r>
+            <a:endParaRPr lang="en-US" sz="13800" dirty="0"/>
+          </a:p>
+        </p:txBody>
+      </p:sp>
+      <p:sp>
+        <p:nvSpPr>
+          <p:cNvPr id="3" name="TextBox 2">
+            <a:extLst>
+              <a:ext uri="{FF2B5EF4-FFF2-40B4-BE49-F238E27FC236}">
+                <a16:creationId xmlns:a16="http://schemas.microsoft.com/office/drawing/2014/main" id="{60955437-40AC-F21F-D062-53BB414DCF5E}"/>
               </a:ext>
             </a:extLst>
           </p:cNvPr>
@@ -5822,8 +5821,8 @@
         </p:nvSpPr>
         <p:spPr>
           <a:xfrm>
-            <a:off x="120913" y="120912"/>
-            <a:ext cx="3182042" cy="584775"/>
+            <a:off x="6328000" y="1982450"/>
+            <a:ext cx="5400000" cy="2893100"/>
           </a:xfrm>
           <a:prstGeom prst="rect">
             <a:avLst/>
@@ -5831,23 +5830,31 @@
           <a:noFill/>
         </p:spPr>
         <p:txBody>
-          <a:bodyPr wrap="square">
+          <a:bodyPr wrap="square" anchor="ctr">
             <a:spAutoFit/>
           </a:bodyPr>
           <a:lstStyle/>
           <a:p>
             <a:pPr algn="ctr"/>
             <a:r>
-              <a:rPr lang="en-US" sz="3200" dirty="0"/>
-              <a:t>IANA Time Zones</a:t>
-            </a:r>
+              <a:rPr lang="en-US" sz="13800" dirty="0"/>
+              <a:t>3s</a:t>
+            </a:r>
+            <a:br>
+              <a:rPr lang="en-US" sz="13800" dirty="0"/>
+            </a:br>
+            <a:r>
+              <a:rPr lang="en-US" sz="4400" dirty="0"/>
+              <a:t>Stay or Leave</a:t>
+            </a:r>
+            <a:endParaRPr lang="en-US" sz="13800" dirty="0"/>
           </a:p>
         </p:txBody>
       </p:sp>
     </p:spTree>
     <p:extLst>
       <p:ext uri="{BB962C8B-B14F-4D97-AF65-F5344CB8AC3E}">
-        <p14:creationId xmlns:p14="http://schemas.microsoft.com/office/powerpoint/2010/main" val="42625645"/>
+        <p14:creationId xmlns:p14="http://schemas.microsoft.com/office/powerpoint/2010/main" val="826439511"/>
       </p:ext>
     </p:extLst>
   </p:cSld>

--- a/docs/virgo.pptx
+++ b/docs/virgo.pptx
@@ -1003,7 +1003,7 @@
           <a:p>
             <a:r>
               <a:rPr lang="en-US" dirty="0"/>
-              <a:t>There are few common methods that websites get your location:</a:t>
+              <a:t>There are few common methods that websites use to get your location:</a:t>
             </a:r>
           </a:p>
           <a:p>
@@ -1015,7 +1015,7 @@
             </a:pPr>
             <a:r>
               <a:rPr lang="en-US" dirty="0"/>
-              <a:t>Asking you exactly. It takes a lot of keystrokes and clicks, but it’s guaranteed to align with the user’s expectations</a:t>
+              <a:t>Asking you explicitly. It takes a lot of keystrokes and clicks, but it’s guaranteed to align with the user’s expectations</a:t>
             </a:r>
           </a:p>
           <a:p>
@@ -1033,7 +1033,7 @@
             </a:pPr>
             <a:r>
               <a:rPr lang="en-US" dirty="0"/>
-              <a:t>Using GPS. This is super precise, but requires the user, browser, and OS consent to send your exact coordinates.</a:t>
+              <a:t>Using GPS. This is super precise, but requires the user, browser app, and operating system’s consent to send your exact coordinates.</a:t>
             </a:r>
           </a:p>
           <a:p>
